--- a/Documents/2021 ICT 하늘보리 1차 발표.pptx
+++ b/Documents/2021 ICT 하늘보리 1차 발표.pptx
@@ -11583,10 +11583,10 @@
       </p:grpSp>
       <p:grpSp>
         <p:nvGrpSpPr>
-          <p:cNvPr id="12" name="그룹 11">
+          <p:cNvPr id="2" name="그룹 1">
             <a:extLst>
               <a:ext uri="{FF2B5EF4-FFF2-40B4-BE49-F238E27FC236}">
-                <a16:creationId xmlns:a16="http://schemas.microsoft.com/office/drawing/2014/main" id="{B9EE8C93-8D1C-4913-A397-8C9015F7BD0B}"/>
+                <a16:creationId xmlns:a16="http://schemas.microsoft.com/office/drawing/2014/main" id="{712261BD-507D-490C-A3AD-29918C3A764D}"/>
               </a:ext>
             </a:extLst>
           </p:cNvPr>
@@ -11595,10 +11595,10 @@
         </p:nvGrpSpPr>
         <p:grpSpPr>
           <a:xfrm>
-            <a:off x="571092" y="939467"/>
-            <a:ext cx="7986452" cy="3337849"/>
+            <a:off x="933064" y="989867"/>
+            <a:ext cx="7262508" cy="3337849"/>
             <a:chOff x="571092" y="939467"/>
-            <a:chExt cx="7986452" cy="3337849"/>
+            <a:chExt cx="7262508" cy="3337849"/>
           </a:xfrm>
         </p:grpSpPr>
         <p:pic>
@@ -11615,16 +11615,15 @@
             </p:cNvPicPr>
             <p:nvPr/>
           </p:nvPicPr>
-          <p:blipFill>
+          <p:blipFill rotWithShape="1">
             <a:blip r:embed="rId3"/>
-            <a:stretch>
-              <a:fillRect/>
-            </a:stretch>
+            <a:srcRect r="9066"/>
+            <a:stretch/>
           </p:blipFill>
           <p:spPr>
             <a:xfrm>
               <a:off x="571092" y="939467"/>
-              <a:ext cx="7986452" cy="3337849"/>
+              <a:ext cx="7262508" cy="3337849"/>
             </a:xfrm>
             <a:prstGeom prst="rect">
               <a:avLst/>
